--- a/ppt 16-9/0644.主为至宝.pptx
+++ b/ppt 16-9/0644.主为至宝.pptx
@@ -5,7 +5,7 @@
     <p:sldMasterId id="2147483648" r:id="rId1"/>
   </p:sldMasterIdLst>
   <p:sldIdLst>
-    <p:sldId id="2443" r:id="rId2"/>
+    <p:sldId id="2444" r:id="rId2"/>
   </p:sldIdLst>
   <p:sldSz cx="12192000" cy="6858000"/>
   <p:notesSz cx="6858000" cy="9144000"/>
@@ -129,7 +129,7 @@
           <p:cNvPr id="2" name="标题 1">
             <a:extLst>
               <a:ext uri="{FF2B5EF4-FFF2-40B4-BE49-F238E27FC236}">
-                <a16:creationId xmlns:a16="http://schemas.microsoft.com/office/drawing/2014/main" id="{A2DF1EA5-1998-AB10-0BF2-6B73E13FBC80}"/>
+                <a16:creationId xmlns:a16="http://schemas.microsoft.com/office/drawing/2014/main" id="{1EC9F2A3-43BE-964A-6830-A02426ADF800}"/>
               </a:ext>
             </a:extLst>
           </p:cNvPr>
@@ -166,7 +166,7 @@
           <p:cNvPr id="3" name="副标题 2">
             <a:extLst>
               <a:ext uri="{FF2B5EF4-FFF2-40B4-BE49-F238E27FC236}">
-                <a16:creationId xmlns:a16="http://schemas.microsoft.com/office/drawing/2014/main" id="{A62405D1-6D29-DB66-003B-97C76A231A67}"/>
+                <a16:creationId xmlns:a16="http://schemas.microsoft.com/office/drawing/2014/main" id="{ED09AAA2-EB40-0B24-AA4C-4FEA7EB2E8C0}"/>
               </a:ext>
             </a:extLst>
           </p:cNvPr>
@@ -236,7 +236,7 @@
           <p:cNvPr id="4" name="日期占位符 3">
             <a:extLst>
               <a:ext uri="{FF2B5EF4-FFF2-40B4-BE49-F238E27FC236}">
-                <a16:creationId xmlns:a16="http://schemas.microsoft.com/office/drawing/2014/main" id="{EF9D10A3-298B-6EBB-C840-F4B1B2A47ED8}"/>
+                <a16:creationId xmlns:a16="http://schemas.microsoft.com/office/drawing/2014/main" id="{B02AD32D-C8AE-9B10-BF13-6F44A7152987}"/>
               </a:ext>
             </a:extLst>
           </p:cNvPr>
@@ -252,7 +252,7 @@
           <a:bodyPr/>
           <a:lstStyle/>
           <a:p>
-            <a:fld id="{681EAEBE-6AB8-4120-9B29-DC1213E26FD2}" type="datetimeFigureOut">
+            <a:fld id="{C60C3347-B871-47C7-8155-E6C13CD9A62D}" type="datetimeFigureOut">
               <a:rPr lang="zh-CN" altLang="en-US" smtClean="0"/>
               <a:t>2024/3/10</a:t>
             </a:fld>
@@ -265,7 +265,7 @@
           <p:cNvPr id="5" name="页脚占位符 4">
             <a:extLst>
               <a:ext uri="{FF2B5EF4-FFF2-40B4-BE49-F238E27FC236}">
-                <a16:creationId xmlns:a16="http://schemas.microsoft.com/office/drawing/2014/main" id="{75DAABB2-8EB4-C052-7848-422E8EA4570E}"/>
+                <a16:creationId xmlns:a16="http://schemas.microsoft.com/office/drawing/2014/main" id="{E8661602-D7E0-48DA-474B-03CE53A640E6}"/>
               </a:ext>
             </a:extLst>
           </p:cNvPr>
@@ -290,7 +290,7 @@
           <p:cNvPr id="6" name="灯片编号占位符 5">
             <a:extLst>
               <a:ext uri="{FF2B5EF4-FFF2-40B4-BE49-F238E27FC236}">
-                <a16:creationId xmlns:a16="http://schemas.microsoft.com/office/drawing/2014/main" id="{B3DEFF5A-0AED-2594-D016-41271E3BF939}"/>
+                <a16:creationId xmlns:a16="http://schemas.microsoft.com/office/drawing/2014/main" id="{0465A217-2DB3-8F26-1968-8FC6B1E07DBF}"/>
               </a:ext>
             </a:extLst>
           </p:cNvPr>
@@ -306,7 +306,7 @@
           <a:bodyPr/>
           <a:lstStyle/>
           <a:p>
-            <a:fld id="{FFD1E696-543E-4AF8-85CB-57C8E05E9220}" type="slidenum">
+            <a:fld id="{4132D7E5-B223-49BD-ABD1-77DF0E61BF91}" type="slidenum">
               <a:rPr lang="zh-CN" altLang="en-US" smtClean="0"/>
               <a:t>‹#›</a:t>
             </a:fld>
@@ -317,7 +317,7 @@
     </p:spTree>
     <p:extLst>
       <p:ext uri="{BB962C8B-B14F-4D97-AF65-F5344CB8AC3E}">
-        <p14:creationId xmlns:p14="http://schemas.microsoft.com/office/powerpoint/2010/main" val="1324405043"/>
+        <p14:creationId xmlns:p14="http://schemas.microsoft.com/office/powerpoint/2010/main" val="867256372"/>
       </p:ext>
     </p:extLst>
   </p:cSld>
@@ -349,7 +349,7 @@
           <p:cNvPr id="2" name="标题 1">
             <a:extLst>
               <a:ext uri="{FF2B5EF4-FFF2-40B4-BE49-F238E27FC236}">
-                <a16:creationId xmlns:a16="http://schemas.microsoft.com/office/drawing/2014/main" id="{F28DF4E9-D52B-8AA2-9C31-596AE579CEFA}"/>
+                <a16:creationId xmlns:a16="http://schemas.microsoft.com/office/drawing/2014/main" id="{3F877B85-7A83-6267-A8A2-D344AAAABFEA}"/>
               </a:ext>
             </a:extLst>
           </p:cNvPr>
@@ -377,7 +377,7 @@
           <p:cNvPr id="3" name="竖排文字占位符 2">
             <a:extLst>
               <a:ext uri="{FF2B5EF4-FFF2-40B4-BE49-F238E27FC236}">
-                <a16:creationId xmlns:a16="http://schemas.microsoft.com/office/drawing/2014/main" id="{C6B5413E-F65F-C02E-BC00-1403383BA4F1}"/>
+                <a16:creationId xmlns:a16="http://schemas.microsoft.com/office/drawing/2014/main" id="{B111C93E-D63F-42D7-44D3-2406EA297ACA}"/>
               </a:ext>
             </a:extLst>
           </p:cNvPr>
@@ -434,7 +434,7 @@
           <p:cNvPr id="4" name="日期占位符 3">
             <a:extLst>
               <a:ext uri="{FF2B5EF4-FFF2-40B4-BE49-F238E27FC236}">
-                <a16:creationId xmlns:a16="http://schemas.microsoft.com/office/drawing/2014/main" id="{067431DC-DE2B-FFBD-6400-51987D9FFCF9}"/>
+                <a16:creationId xmlns:a16="http://schemas.microsoft.com/office/drawing/2014/main" id="{DDBE3473-F664-4DA0-47B8-B3F40D440C4D}"/>
               </a:ext>
             </a:extLst>
           </p:cNvPr>
@@ -450,7 +450,7 @@
           <a:bodyPr/>
           <a:lstStyle/>
           <a:p>
-            <a:fld id="{681EAEBE-6AB8-4120-9B29-DC1213E26FD2}" type="datetimeFigureOut">
+            <a:fld id="{C60C3347-B871-47C7-8155-E6C13CD9A62D}" type="datetimeFigureOut">
               <a:rPr lang="zh-CN" altLang="en-US" smtClean="0"/>
               <a:t>2024/3/10</a:t>
             </a:fld>
@@ -463,7 +463,7 @@
           <p:cNvPr id="5" name="页脚占位符 4">
             <a:extLst>
               <a:ext uri="{FF2B5EF4-FFF2-40B4-BE49-F238E27FC236}">
-                <a16:creationId xmlns:a16="http://schemas.microsoft.com/office/drawing/2014/main" id="{0FADF8FD-BE61-3BCA-2B19-C0C7244D7DBB}"/>
+                <a16:creationId xmlns:a16="http://schemas.microsoft.com/office/drawing/2014/main" id="{EA99E6CA-6D7A-CE10-D862-970CF05DB0EB}"/>
               </a:ext>
             </a:extLst>
           </p:cNvPr>
@@ -488,7 +488,7 @@
           <p:cNvPr id="6" name="灯片编号占位符 5">
             <a:extLst>
               <a:ext uri="{FF2B5EF4-FFF2-40B4-BE49-F238E27FC236}">
-                <a16:creationId xmlns:a16="http://schemas.microsoft.com/office/drawing/2014/main" id="{D9472AA2-92A3-20A9-04EE-A878A80F194B}"/>
+                <a16:creationId xmlns:a16="http://schemas.microsoft.com/office/drawing/2014/main" id="{15AA6CB9-622B-CA63-4408-A88D361F98B5}"/>
               </a:ext>
             </a:extLst>
           </p:cNvPr>
@@ -504,7 +504,7 @@
           <a:bodyPr/>
           <a:lstStyle/>
           <a:p>
-            <a:fld id="{FFD1E696-543E-4AF8-85CB-57C8E05E9220}" type="slidenum">
+            <a:fld id="{4132D7E5-B223-49BD-ABD1-77DF0E61BF91}" type="slidenum">
               <a:rPr lang="zh-CN" altLang="en-US" smtClean="0"/>
               <a:t>‹#›</a:t>
             </a:fld>
@@ -515,7 +515,7 @@
     </p:spTree>
     <p:extLst>
       <p:ext uri="{BB962C8B-B14F-4D97-AF65-F5344CB8AC3E}">
-        <p14:creationId xmlns:p14="http://schemas.microsoft.com/office/powerpoint/2010/main" val="97186059"/>
+        <p14:creationId xmlns:p14="http://schemas.microsoft.com/office/powerpoint/2010/main" val="3831237318"/>
       </p:ext>
     </p:extLst>
   </p:cSld>
@@ -547,7 +547,7 @@
           <p:cNvPr id="2" name="竖排标题 1">
             <a:extLst>
               <a:ext uri="{FF2B5EF4-FFF2-40B4-BE49-F238E27FC236}">
-                <a16:creationId xmlns:a16="http://schemas.microsoft.com/office/drawing/2014/main" id="{57EF05FF-3CF8-CF7E-7A94-6A9A20C26599}"/>
+                <a16:creationId xmlns:a16="http://schemas.microsoft.com/office/drawing/2014/main" id="{16A78CF5-F633-DEF7-FB5D-2376E7749D28}"/>
               </a:ext>
             </a:extLst>
           </p:cNvPr>
@@ -580,7 +580,7 @@
           <p:cNvPr id="3" name="竖排文字占位符 2">
             <a:extLst>
               <a:ext uri="{FF2B5EF4-FFF2-40B4-BE49-F238E27FC236}">
-                <a16:creationId xmlns:a16="http://schemas.microsoft.com/office/drawing/2014/main" id="{F203A3EA-3B34-285C-2822-2D7D70213B5D}"/>
+                <a16:creationId xmlns:a16="http://schemas.microsoft.com/office/drawing/2014/main" id="{A42C4A36-9456-A00D-5D2C-FEEF9E7FDEC1}"/>
               </a:ext>
             </a:extLst>
           </p:cNvPr>
@@ -642,7 +642,7 @@
           <p:cNvPr id="4" name="日期占位符 3">
             <a:extLst>
               <a:ext uri="{FF2B5EF4-FFF2-40B4-BE49-F238E27FC236}">
-                <a16:creationId xmlns:a16="http://schemas.microsoft.com/office/drawing/2014/main" id="{AEF98471-BE51-DACB-A908-EEE0F1CE2CF4}"/>
+                <a16:creationId xmlns:a16="http://schemas.microsoft.com/office/drawing/2014/main" id="{B9CF76B8-6B52-97EE-CACF-25B6617D4154}"/>
               </a:ext>
             </a:extLst>
           </p:cNvPr>
@@ -658,7 +658,7 @@
           <a:bodyPr/>
           <a:lstStyle/>
           <a:p>
-            <a:fld id="{681EAEBE-6AB8-4120-9B29-DC1213E26FD2}" type="datetimeFigureOut">
+            <a:fld id="{C60C3347-B871-47C7-8155-E6C13CD9A62D}" type="datetimeFigureOut">
               <a:rPr lang="zh-CN" altLang="en-US" smtClean="0"/>
               <a:t>2024/3/10</a:t>
             </a:fld>
@@ -671,7 +671,7 @@
           <p:cNvPr id="5" name="页脚占位符 4">
             <a:extLst>
               <a:ext uri="{FF2B5EF4-FFF2-40B4-BE49-F238E27FC236}">
-                <a16:creationId xmlns:a16="http://schemas.microsoft.com/office/drawing/2014/main" id="{A5CD6C52-7B43-0F05-DD87-E81972EFA8F3}"/>
+                <a16:creationId xmlns:a16="http://schemas.microsoft.com/office/drawing/2014/main" id="{B2180EC8-4F5C-BC5B-9678-9BCDFE4927C1}"/>
               </a:ext>
             </a:extLst>
           </p:cNvPr>
@@ -696,7 +696,7 @@
           <p:cNvPr id="6" name="灯片编号占位符 5">
             <a:extLst>
               <a:ext uri="{FF2B5EF4-FFF2-40B4-BE49-F238E27FC236}">
-                <a16:creationId xmlns:a16="http://schemas.microsoft.com/office/drawing/2014/main" id="{D799C650-A3ED-2AF6-4FD8-7B93084C6049}"/>
+                <a16:creationId xmlns:a16="http://schemas.microsoft.com/office/drawing/2014/main" id="{E23C516D-437B-42B7-4F59-EB274C7C81A9}"/>
               </a:ext>
             </a:extLst>
           </p:cNvPr>
@@ -712,7 +712,7 @@
           <a:bodyPr/>
           <a:lstStyle/>
           <a:p>
-            <a:fld id="{FFD1E696-543E-4AF8-85CB-57C8E05E9220}" type="slidenum">
+            <a:fld id="{4132D7E5-B223-49BD-ABD1-77DF0E61BF91}" type="slidenum">
               <a:rPr lang="zh-CN" altLang="en-US" smtClean="0"/>
               <a:t>‹#›</a:t>
             </a:fld>
@@ -723,7 +723,7 @@
     </p:spTree>
     <p:extLst>
       <p:ext uri="{BB962C8B-B14F-4D97-AF65-F5344CB8AC3E}">
-        <p14:creationId xmlns:p14="http://schemas.microsoft.com/office/powerpoint/2010/main" val="3207940410"/>
+        <p14:creationId xmlns:p14="http://schemas.microsoft.com/office/powerpoint/2010/main" val="273588639"/>
       </p:ext>
     </p:extLst>
   </p:cSld>
@@ -755,7 +755,7 @@
           <p:cNvPr id="2" name="标题 1">
             <a:extLst>
               <a:ext uri="{FF2B5EF4-FFF2-40B4-BE49-F238E27FC236}">
-                <a16:creationId xmlns:a16="http://schemas.microsoft.com/office/drawing/2014/main" id="{19102C3D-5F6E-7774-BA22-725537EC9E5D}"/>
+                <a16:creationId xmlns:a16="http://schemas.microsoft.com/office/drawing/2014/main" id="{3183AC96-73EF-5466-AA28-AAD0D658E790}"/>
               </a:ext>
             </a:extLst>
           </p:cNvPr>
@@ -783,7 +783,7 @@
           <p:cNvPr id="3" name="内容占位符 2">
             <a:extLst>
               <a:ext uri="{FF2B5EF4-FFF2-40B4-BE49-F238E27FC236}">
-                <a16:creationId xmlns:a16="http://schemas.microsoft.com/office/drawing/2014/main" id="{C8D8AE12-396D-2BCD-58D5-DD7C27BE7B17}"/>
+                <a16:creationId xmlns:a16="http://schemas.microsoft.com/office/drawing/2014/main" id="{D260EF0C-7AD6-891C-D798-F987FE785D35}"/>
               </a:ext>
             </a:extLst>
           </p:cNvPr>
@@ -840,7 +840,7 @@
           <p:cNvPr id="4" name="日期占位符 3">
             <a:extLst>
               <a:ext uri="{FF2B5EF4-FFF2-40B4-BE49-F238E27FC236}">
-                <a16:creationId xmlns:a16="http://schemas.microsoft.com/office/drawing/2014/main" id="{C59D0699-ED4E-72C3-1806-90F7F7A793A3}"/>
+                <a16:creationId xmlns:a16="http://schemas.microsoft.com/office/drawing/2014/main" id="{576E4131-8AE9-2643-95E3-5A7930B85641}"/>
               </a:ext>
             </a:extLst>
           </p:cNvPr>
@@ -856,7 +856,7 @@
           <a:bodyPr/>
           <a:lstStyle/>
           <a:p>
-            <a:fld id="{681EAEBE-6AB8-4120-9B29-DC1213E26FD2}" type="datetimeFigureOut">
+            <a:fld id="{C60C3347-B871-47C7-8155-E6C13CD9A62D}" type="datetimeFigureOut">
               <a:rPr lang="zh-CN" altLang="en-US" smtClean="0"/>
               <a:t>2024/3/10</a:t>
             </a:fld>
@@ -869,7 +869,7 @@
           <p:cNvPr id="5" name="页脚占位符 4">
             <a:extLst>
               <a:ext uri="{FF2B5EF4-FFF2-40B4-BE49-F238E27FC236}">
-                <a16:creationId xmlns:a16="http://schemas.microsoft.com/office/drawing/2014/main" id="{FC86FF6F-FC82-A1C7-2AF1-EE835E25AA8C}"/>
+                <a16:creationId xmlns:a16="http://schemas.microsoft.com/office/drawing/2014/main" id="{E747AC1E-A3C7-19C1-6958-20B31F20D3DE}"/>
               </a:ext>
             </a:extLst>
           </p:cNvPr>
@@ -894,7 +894,7 @@
           <p:cNvPr id="6" name="灯片编号占位符 5">
             <a:extLst>
               <a:ext uri="{FF2B5EF4-FFF2-40B4-BE49-F238E27FC236}">
-                <a16:creationId xmlns:a16="http://schemas.microsoft.com/office/drawing/2014/main" id="{5BBDD3EA-14D8-8148-595B-7CDF4C6AAC26}"/>
+                <a16:creationId xmlns:a16="http://schemas.microsoft.com/office/drawing/2014/main" id="{2B739843-8FA4-3646-302D-44A2A512267D}"/>
               </a:ext>
             </a:extLst>
           </p:cNvPr>
@@ -910,7 +910,7 @@
           <a:bodyPr/>
           <a:lstStyle/>
           <a:p>
-            <a:fld id="{FFD1E696-543E-4AF8-85CB-57C8E05E9220}" type="slidenum">
+            <a:fld id="{4132D7E5-B223-49BD-ABD1-77DF0E61BF91}" type="slidenum">
               <a:rPr lang="zh-CN" altLang="en-US" smtClean="0"/>
               <a:t>‹#›</a:t>
             </a:fld>
@@ -921,7 +921,7 @@
     </p:spTree>
     <p:extLst>
       <p:ext uri="{BB962C8B-B14F-4D97-AF65-F5344CB8AC3E}">
-        <p14:creationId xmlns:p14="http://schemas.microsoft.com/office/powerpoint/2010/main" val="781102975"/>
+        <p14:creationId xmlns:p14="http://schemas.microsoft.com/office/powerpoint/2010/main" val="3617418691"/>
       </p:ext>
     </p:extLst>
   </p:cSld>
@@ -953,7 +953,7 @@
           <p:cNvPr id="2" name="标题 1">
             <a:extLst>
               <a:ext uri="{FF2B5EF4-FFF2-40B4-BE49-F238E27FC236}">
-                <a16:creationId xmlns:a16="http://schemas.microsoft.com/office/drawing/2014/main" id="{C54F55EF-D13B-9A93-F303-AB9A62947502}"/>
+                <a16:creationId xmlns:a16="http://schemas.microsoft.com/office/drawing/2014/main" id="{AA461FB9-D305-48FD-DD41-291AF632D6A8}"/>
               </a:ext>
             </a:extLst>
           </p:cNvPr>
@@ -990,7 +990,7 @@
           <p:cNvPr id="3" name="文本占位符 2">
             <a:extLst>
               <a:ext uri="{FF2B5EF4-FFF2-40B4-BE49-F238E27FC236}">
-                <a16:creationId xmlns:a16="http://schemas.microsoft.com/office/drawing/2014/main" id="{44901CDB-A86B-229B-E92B-ADF8D4D65255}"/>
+                <a16:creationId xmlns:a16="http://schemas.microsoft.com/office/drawing/2014/main" id="{710F0BC6-63D8-5EED-947D-3F309EF0CF48}"/>
               </a:ext>
             </a:extLst>
           </p:cNvPr>
@@ -1115,7 +1115,7 @@
           <p:cNvPr id="4" name="日期占位符 3">
             <a:extLst>
               <a:ext uri="{FF2B5EF4-FFF2-40B4-BE49-F238E27FC236}">
-                <a16:creationId xmlns:a16="http://schemas.microsoft.com/office/drawing/2014/main" id="{41659DB5-D822-2B4C-5F27-018F3935F4D9}"/>
+                <a16:creationId xmlns:a16="http://schemas.microsoft.com/office/drawing/2014/main" id="{4C118F2F-EF38-97A9-20DE-334BDACB2570}"/>
               </a:ext>
             </a:extLst>
           </p:cNvPr>
@@ -1131,7 +1131,7 @@
           <a:bodyPr/>
           <a:lstStyle/>
           <a:p>
-            <a:fld id="{681EAEBE-6AB8-4120-9B29-DC1213E26FD2}" type="datetimeFigureOut">
+            <a:fld id="{C60C3347-B871-47C7-8155-E6C13CD9A62D}" type="datetimeFigureOut">
               <a:rPr lang="zh-CN" altLang="en-US" smtClean="0"/>
               <a:t>2024/3/10</a:t>
             </a:fld>
@@ -1144,7 +1144,7 @@
           <p:cNvPr id="5" name="页脚占位符 4">
             <a:extLst>
               <a:ext uri="{FF2B5EF4-FFF2-40B4-BE49-F238E27FC236}">
-                <a16:creationId xmlns:a16="http://schemas.microsoft.com/office/drawing/2014/main" id="{41EA6439-C8A6-492F-852B-2D8A3B720F12}"/>
+                <a16:creationId xmlns:a16="http://schemas.microsoft.com/office/drawing/2014/main" id="{3500A085-5ED7-85AB-7E17-F66A54FA51C4}"/>
               </a:ext>
             </a:extLst>
           </p:cNvPr>
@@ -1169,7 +1169,7 @@
           <p:cNvPr id="6" name="灯片编号占位符 5">
             <a:extLst>
               <a:ext uri="{FF2B5EF4-FFF2-40B4-BE49-F238E27FC236}">
-                <a16:creationId xmlns:a16="http://schemas.microsoft.com/office/drawing/2014/main" id="{F7D7F479-063D-C1DA-4622-2473C1E8EB6C}"/>
+                <a16:creationId xmlns:a16="http://schemas.microsoft.com/office/drawing/2014/main" id="{FD38F493-0AF5-635C-0445-5FA7F03304E4}"/>
               </a:ext>
             </a:extLst>
           </p:cNvPr>
@@ -1185,7 +1185,7 @@
           <a:bodyPr/>
           <a:lstStyle/>
           <a:p>
-            <a:fld id="{FFD1E696-543E-4AF8-85CB-57C8E05E9220}" type="slidenum">
+            <a:fld id="{4132D7E5-B223-49BD-ABD1-77DF0E61BF91}" type="slidenum">
               <a:rPr lang="zh-CN" altLang="en-US" smtClean="0"/>
               <a:t>‹#›</a:t>
             </a:fld>
@@ -1196,7 +1196,7 @@
     </p:spTree>
     <p:extLst>
       <p:ext uri="{BB962C8B-B14F-4D97-AF65-F5344CB8AC3E}">
-        <p14:creationId xmlns:p14="http://schemas.microsoft.com/office/powerpoint/2010/main" val="2514260495"/>
+        <p14:creationId xmlns:p14="http://schemas.microsoft.com/office/powerpoint/2010/main" val="1581548340"/>
       </p:ext>
     </p:extLst>
   </p:cSld>
@@ -1228,7 +1228,7 @@
           <p:cNvPr id="2" name="标题 1">
             <a:extLst>
               <a:ext uri="{FF2B5EF4-FFF2-40B4-BE49-F238E27FC236}">
-                <a16:creationId xmlns:a16="http://schemas.microsoft.com/office/drawing/2014/main" id="{0607A2AC-0AC0-EF34-ABDC-BA03F53E702C}"/>
+                <a16:creationId xmlns:a16="http://schemas.microsoft.com/office/drawing/2014/main" id="{3644A06D-9699-F01B-E200-5D6651C98394}"/>
               </a:ext>
             </a:extLst>
           </p:cNvPr>
@@ -1256,7 +1256,7 @@
           <p:cNvPr id="3" name="内容占位符 2">
             <a:extLst>
               <a:ext uri="{FF2B5EF4-FFF2-40B4-BE49-F238E27FC236}">
-                <a16:creationId xmlns:a16="http://schemas.microsoft.com/office/drawing/2014/main" id="{327203AA-187C-8447-7544-991A4F725368}"/>
+                <a16:creationId xmlns:a16="http://schemas.microsoft.com/office/drawing/2014/main" id="{0C2D5FAB-3B2A-A38A-00D4-F1F9D0C64C0A}"/>
               </a:ext>
             </a:extLst>
           </p:cNvPr>
@@ -1318,7 +1318,7 @@
           <p:cNvPr id="4" name="内容占位符 3">
             <a:extLst>
               <a:ext uri="{FF2B5EF4-FFF2-40B4-BE49-F238E27FC236}">
-                <a16:creationId xmlns:a16="http://schemas.microsoft.com/office/drawing/2014/main" id="{2BEC4039-4439-6D9D-9516-A4F431280659}"/>
+                <a16:creationId xmlns:a16="http://schemas.microsoft.com/office/drawing/2014/main" id="{CFA3F53F-F6BF-7C17-883B-3D71CD0C4D17}"/>
               </a:ext>
             </a:extLst>
           </p:cNvPr>
@@ -1380,7 +1380,7 @@
           <p:cNvPr id="5" name="日期占位符 4">
             <a:extLst>
               <a:ext uri="{FF2B5EF4-FFF2-40B4-BE49-F238E27FC236}">
-                <a16:creationId xmlns:a16="http://schemas.microsoft.com/office/drawing/2014/main" id="{A2F427DB-6715-D5C0-93FB-E02AFE254682}"/>
+                <a16:creationId xmlns:a16="http://schemas.microsoft.com/office/drawing/2014/main" id="{5E715DE5-4B24-FD50-DA69-8F2BE9935CED}"/>
               </a:ext>
             </a:extLst>
           </p:cNvPr>
@@ -1396,7 +1396,7 @@
           <a:bodyPr/>
           <a:lstStyle/>
           <a:p>
-            <a:fld id="{681EAEBE-6AB8-4120-9B29-DC1213E26FD2}" type="datetimeFigureOut">
+            <a:fld id="{C60C3347-B871-47C7-8155-E6C13CD9A62D}" type="datetimeFigureOut">
               <a:rPr lang="zh-CN" altLang="en-US" smtClean="0"/>
               <a:t>2024/3/10</a:t>
             </a:fld>
@@ -1409,7 +1409,7 @@
           <p:cNvPr id="6" name="页脚占位符 5">
             <a:extLst>
               <a:ext uri="{FF2B5EF4-FFF2-40B4-BE49-F238E27FC236}">
-                <a16:creationId xmlns:a16="http://schemas.microsoft.com/office/drawing/2014/main" id="{E97D4B6D-AD9F-5BAB-B8CC-09ADF467EE2A}"/>
+                <a16:creationId xmlns:a16="http://schemas.microsoft.com/office/drawing/2014/main" id="{2BD16037-B95C-558D-50DF-76315B60F486}"/>
               </a:ext>
             </a:extLst>
           </p:cNvPr>
@@ -1434,7 +1434,7 @@
           <p:cNvPr id="7" name="灯片编号占位符 6">
             <a:extLst>
               <a:ext uri="{FF2B5EF4-FFF2-40B4-BE49-F238E27FC236}">
-                <a16:creationId xmlns:a16="http://schemas.microsoft.com/office/drawing/2014/main" id="{D17EBF80-BC42-E3BA-3CBF-29CFCAE2471D}"/>
+                <a16:creationId xmlns:a16="http://schemas.microsoft.com/office/drawing/2014/main" id="{D771F2C3-BF8F-AD6E-502B-6E4447A57DEB}"/>
               </a:ext>
             </a:extLst>
           </p:cNvPr>
@@ -1450,7 +1450,7 @@
           <a:bodyPr/>
           <a:lstStyle/>
           <a:p>
-            <a:fld id="{FFD1E696-543E-4AF8-85CB-57C8E05E9220}" type="slidenum">
+            <a:fld id="{4132D7E5-B223-49BD-ABD1-77DF0E61BF91}" type="slidenum">
               <a:rPr lang="zh-CN" altLang="en-US" smtClean="0"/>
               <a:t>‹#›</a:t>
             </a:fld>
@@ -1461,7 +1461,7 @@
     </p:spTree>
     <p:extLst>
       <p:ext uri="{BB962C8B-B14F-4D97-AF65-F5344CB8AC3E}">
-        <p14:creationId xmlns:p14="http://schemas.microsoft.com/office/powerpoint/2010/main" val="1398725528"/>
+        <p14:creationId xmlns:p14="http://schemas.microsoft.com/office/powerpoint/2010/main" val="3139727629"/>
       </p:ext>
     </p:extLst>
   </p:cSld>
@@ -1493,7 +1493,7 @@
           <p:cNvPr id="2" name="标题 1">
             <a:extLst>
               <a:ext uri="{FF2B5EF4-FFF2-40B4-BE49-F238E27FC236}">
-                <a16:creationId xmlns:a16="http://schemas.microsoft.com/office/drawing/2014/main" id="{894A1AAF-3F22-0305-DD15-7AE9615B8130}"/>
+                <a16:creationId xmlns:a16="http://schemas.microsoft.com/office/drawing/2014/main" id="{E4F24FE5-186D-CCAF-A49E-02CE3D250C29}"/>
               </a:ext>
             </a:extLst>
           </p:cNvPr>
@@ -1526,7 +1526,7 @@
           <p:cNvPr id="3" name="文本占位符 2">
             <a:extLst>
               <a:ext uri="{FF2B5EF4-FFF2-40B4-BE49-F238E27FC236}">
-                <a16:creationId xmlns:a16="http://schemas.microsoft.com/office/drawing/2014/main" id="{29BE884D-5A17-4260-87BF-8C882F9EC070}"/>
+                <a16:creationId xmlns:a16="http://schemas.microsoft.com/office/drawing/2014/main" id="{7BB96C89-CFD5-1699-C3AD-7F4C77FC98B1}"/>
               </a:ext>
             </a:extLst>
           </p:cNvPr>
@@ -1597,7 +1597,7 @@
           <p:cNvPr id="4" name="内容占位符 3">
             <a:extLst>
               <a:ext uri="{FF2B5EF4-FFF2-40B4-BE49-F238E27FC236}">
-                <a16:creationId xmlns:a16="http://schemas.microsoft.com/office/drawing/2014/main" id="{4B8CA496-E372-A868-CD4F-A0FC61BBD104}"/>
+                <a16:creationId xmlns:a16="http://schemas.microsoft.com/office/drawing/2014/main" id="{51FE0D8C-AD08-1FF4-2374-027BC657B7CE}"/>
               </a:ext>
             </a:extLst>
           </p:cNvPr>
@@ -1659,7 +1659,7 @@
           <p:cNvPr id="5" name="文本占位符 4">
             <a:extLst>
               <a:ext uri="{FF2B5EF4-FFF2-40B4-BE49-F238E27FC236}">
-                <a16:creationId xmlns:a16="http://schemas.microsoft.com/office/drawing/2014/main" id="{F631241F-39F9-65AB-6399-FF219B2A3C65}"/>
+                <a16:creationId xmlns:a16="http://schemas.microsoft.com/office/drawing/2014/main" id="{1E081533-9259-9612-795A-344FDD8500B6}"/>
               </a:ext>
             </a:extLst>
           </p:cNvPr>
@@ -1730,7 +1730,7 @@
           <p:cNvPr id="6" name="内容占位符 5">
             <a:extLst>
               <a:ext uri="{FF2B5EF4-FFF2-40B4-BE49-F238E27FC236}">
-                <a16:creationId xmlns:a16="http://schemas.microsoft.com/office/drawing/2014/main" id="{8B36664A-29D5-07FB-3592-F3E04EC5D51C}"/>
+                <a16:creationId xmlns:a16="http://schemas.microsoft.com/office/drawing/2014/main" id="{E166D7A4-B2C9-7D6F-F570-E0B4376BFFFB}"/>
               </a:ext>
             </a:extLst>
           </p:cNvPr>
@@ -1792,7 +1792,7 @@
           <p:cNvPr id="7" name="日期占位符 6">
             <a:extLst>
               <a:ext uri="{FF2B5EF4-FFF2-40B4-BE49-F238E27FC236}">
-                <a16:creationId xmlns:a16="http://schemas.microsoft.com/office/drawing/2014/main" id="{C2CE3C09-0680-0F5D-54FE-D7DF530C58E4}"/>
+                <a16:creationId xmlns:a16="http://schemas.microsoft.com/office/drawing/2014/main" id="{99A32C24-0EF7-49F4-44D2-FC65970CBD76}"/>
               </a:ext>
             </a:extLst>
           </p:cNvPr>
@@ -1808,7 +1808,7 @@
           <a:bodyPr/>
           <a:lstStyle/>
           <a:p>
-            <a:fld id="{681EAEBE-6AB8-4120-9B29-DC1213E26FD2}" type="datetimeFigureOut">
+            <a:fld id="{C60C3347-B871-47C7-8155-E6C13CD9A62D}" type="datetimeFigureOut">
               <a:rPr lang="zh-CN" altLang="en-US" smtClean="0"/>
               <a:t>2024/3/10</a:t>
             </a:fld>
@@ -1821,7 +1821,7 @@
           <p:cNvPr id="8" name="页脚占位符 7">
             <a:extLst>
               <a:ext uri="{FF2B5EF4-FFF2-40B4-BE49-F238E27FC236}">
-                <a16:creationId xmlns:a16="http://schemas.microsoft.com/office/drawing/2014/main" id="{5430F8FD-D3D1-6F34-F566-94EF411CBBEC}"/>
+                <a16:creationId xmlns:a16="http://schemas.microsoft.com/office/drawing/2014/main" id="{2CAAAC8D-0D9C-AA4C-C7B7-9C5A9EFF51A1}"/>
               </a:ext>
             </a:extLst>
           </p:cNvPr>
@@ -1846,7 +1846,7 @@
           <p:cNvPr id="9" name="灯片编号占位符 8">
             <a:extLst>
               <a:ext uri="{FF2B5EF4-FFF2-40B4-BE49-F238E27FC236}">
-                <a16:creationId xmlns:a16="http://schemas.microsoft.com/office/drawing/2014/main" id="{0433A37A-A1B7-6F97-9800-6F85C1CEEED2}"/>
+                <a16:creationId xmlns:a16="http://schemas.microsoft.com/office/drawing/2014/main" id="{6E0D9E16-7B1A-5C22-F2E4-C96FC52A3474}"/>
               </a:ext>
             </a:extLst>
           </p:cNvPr>
@@ -1862,7 +1862,7 @@
           <a:bodyPr/>
           <a:lstStyle/>
           <a:p>
-            <a:fld id="{FFD1E696-543E-4AF8-85CB-57C8E05E9220}" type="slidenum">
+            <a:fld id="{4132D7E5-B223-49BD-ABD1-77DF0E61BF91}" type="slidenum">
               <a:rPr lang="zh-CN" altLang="en-US" smtClean="0"/>
               <a:t>‹#›</a:t>
             </a:fld>
@@ -1873,7 +1873,7 @@
     </p:spTree>
     <p:extLst>
       <p:ext uri="{BB962C8B-B14F-4D97-AF65-F5344CB8AC3E}">
-        <p14:creationId xmlns:p14="http://schemas.microsoft.com/office/powerpoint/2010/main" val="3216857987"/>
+        <p14:creationId xmlns:p14="http://schemas.microsoft.com/office/powerpoint/2010/main" val="3120714023"/>
       </p:ext>
     </p:extLst>
   </p:cSld>
@@ -1905,7 +1905,7 @@
           <p:cNvPr id="2" name="标题 1">
             <a:extLst>
               <a:ext uri="{FF2B5EF4-FFF2-40B4-BE49-F238E27FC236}">
-                <a16:creationId xmlns:a16="http://schemas.microsoft.com/office/drawing/2014/main" id="{99F590F0-B354-CD94-EAEC-7716F03C0778}"/>
+                <a16:creationId xmlns:a16="http://schemas.microsoft.com/office/drawing/2014/main" id="{5EBC70E4-74D1-F510-B388-332435E394D4}"/>
               </a:ext>
             </a:extLst>
           </p:cNvPr>
@@ -1933,7 +1933,7 @@
           <p:cNvPr id="3" name="日期占位符 2">
             <a:extLst>
               <a:ext uri="{FF2B5EF4-FFF2-40B4-BE49-F238E27FC236}">
-                <a16:creationId xmlns:a16="http://schemas.microsoft.com/office/drawing/2014/main" id="{F4634895-298C-7D28-411A-48884102B3AB}"/>
+                <a16:creationId xmlns:a16="http://schemas.microsoft.com/office/drawing/2014/main" id="{737376FE-2F4F-1BDE-22E6-7B0582BEFE98}"/>
               </a:ext>
             </a:extLst>
           </p:cNvPr>
@@ -1949,7 +1949,7 @@
           <a:bodyPr/>
           <a:lstStyle/>
           <a:p>
-            <a:fld id="{681EAEBE-6AB8-4120-9B29-DC1213E26FD2}" type="datetimeFigureOut">
+            <a:fld id="{C60C3347-B871-47C7-8155-E6C13CD9A62D}" type="datetimeFigureOut">
               <a:rPr lang="zh-CN" altLang="en-US" smtClean="0"/>
               <a:t>2024/3/10</a:t>
             </a:fld>
@@ -1962,7 +1962,7 @@
           <p:cNvPr id="4" name="页脚占位符 3">
             <a:extLst>
               <a:ext uri="{FF2B5EF4-FFF2-40B4-BE49-F238E27FC236}">
-                <a16:creationId xmlns:a16="http://schemas.microsoft.com/office/drawing/2014/main" id="{C49359D2-5717-5EE6-D690-EA6515EF839A}"/>
+                <a16:creationId xmlns:a16="http://schemas.microsoft.com/office/drawing/2014/main" id="{FB5FA5C6-1B2E-5618-33E4-CCB18AE3F425}"/>
               </a:ext>
             </a:extLst>
           </p:cNvPr>
@@ -1987,7 +1987,7 @@
           <p:cNvPr id="5" name="灯片编号占位符 4">
             <a:extLst>
               <a:ext uri="{FF2B5EF4-FFF2-40B4-BE49-F238E27FC236}">
-                <a16:creationId xmlns:a16="http://schemas.microsoft.com/office/drawing/2014/main" id="{14A0D522-34CA-AED8-BA2B-01E53F5F67FF}"/>
+                <a16:creationId xmlns:a16="http://schemas.microsoft.com/office/drawing/2014/main" id="{EE282E1D-E9BF-B646-06DA-9B6D3AE49F1C}"/>
               </a:ext>
             </a:extLst>
           </p:cNvPr>
@@ -2003,7 +2003,7 @@
           <a:bodyPr/>
           <a:lstStyle/>
           <a:p>
-            <a:fld id="{FFD1E696-543E-4AF8-85CB-57C8E05E9220}" type="slidenum">
+            <a:fld id="{4132D7E5-B223-49BD-ABD1-77DF0E61BF91}" type="slidenum">
               <a:rPr lang="zh-CN" altLang="en-US" smtClean="0"/>
               <a:t>‹#›</a:t>
             </a:fld>
@@ -2014,7 +2014,7 @@
     </p:spTree>
     <p:extLst>
       <p:ext uri="{BB962C8B-B14F-4D97-AF65-F5344CB8AC3E}">
-        <p14:creationId xmlns:p14="http://schemas.microsoft.com/office/powerpoint/2010/main" val="3596133099"/>
+        <p14:creationId xmlns:p14="http://schemas.microsoft.com/office/powerpoint/2010/main" val="3781812017"/>
       </p:ext>
     </p:extLst>
   </p:cSld>
@@ -2046,7 +2046,7 @@
           <p:cNvPr id="2" name="日期占位符 1">
             <a:extLst>
               <a:ext uri="{FF2B5EF4-FFF2-40B4-BE49-F238E27FC236}">
-                <a16:creationId xmlns:a16="http://schemas.microsoft.com/office/drawing/2014/main" id="{8117BB02-CEC1-FCCD-7DE1-1DAF234B004E}"/>
+                <a16:creationId xmlns:a16="http://schemas.microsoft.com/office/drawing/2014/main" id="{B54B4F46-5F8A-9923-77BF-9875C4D1D9B4}"/>
               </a:ext>
             </a:extLst>
           </p:cNvPr>
@@ -2062,7 +2062,7 @@
           <a:bodyPr/>
           <a:lstStyle/>
           <a:p>
-            <a:fld id="{681EAEBE-6AB8-4120-9B29-DC1213E26FD2}" type="datetimeFigureOut">
+            <a:fld id="{C60C3347-B871-47C7-8155-E6C13CD9A62D}" type="datetimeFigureOut">
               <a:rPr lang="zh-CN" altLang="en-US" smtClean="0"/>
               <a:t>2024/3/10</a:t>
             </a:fld>
@@ -2075,7 +2075,7 @@
           <p:cNvPr id="3" name="页脚占位符 2">
             <a:extLst>
               <a:ext uri="{FF2B5EF4-FFF2-40B4-BE49-F238E27FC236}">
-                <a16:creationId xmlns:a16="http://schemas.microsoft.com/office/drawing/2014/main" id="{A6BDF9B6-9ACC-A203-738D-8BD8B11E1B94}"/>
+                <a16:creationId xmlns:a16="http://schemas.microsoft.com/office/drawing/2014/main" id="{342B7D60-AA87-BB05-6756-7DAC96285790}"/>
               </a:ext>
             </a:extLst>
           </p:cNvPr>
@@ -2100,7 +2100,7 @@
           <p:cNvPr id="4" name="灯片编号占位符 3">
             <a:extLst>
               <a:ext uri="{FF2B5EF4-FFF2-40B4-BE49-F238E27FC236}">
-                <a16:creationId xmlns:a16="http://schemas.microsoft.com/office/drawing/2014/main" id="{B1BC7247-9124-93BB-CEE2-056AC998D604}"/>
+                <a16:creationId xmlns:a16="http://schemas.microsoft.com/office/drawing/2014/main" id="{DF6CE6ED-13D8-59E6-9999-8690A4282233}"/>
               </a:ext>
             </a:extLst>
           </p:cNvPr>
@@ -2116,7 +2116,7 @@
           <a:bodyPr/>
           <a:lstStyle/>
           <a:p>
-            <a:fld id="{FFD1E696-543E-4AF8-85CB-57C8E05E9220}" type="slidenum">
+            <a:fld id="{4132D7E5-B223-49BD-ABD1-77DF0E61BF91}" type="slidenum">
               <a:rPr lang="zh-CN" altLang="en-US" smtClean="0"/>
               <a:t>‹#›</a:t>
             </a:fld>
@@ -2127,7 +2127,7 @@
     </p:spTree>
     <p:extLst>
       <p:ext uri="{BB962C8B-B14F-4D97-AF65-F5344CB8AC3E}">
-        <p14:creationId xmlns:p14="http://schemas.microsoft.com/office/powerpoint/2010/main" val="1255270676"/>
+        <p14:creationId xmlns:p14="http://schemas.microsoft.com/office/powerpoint/2010/main" val="1175002975"/>
       </p:ext>
     </p:extLst>
   </p:cSld>
@@ -2159,7 +2159,7 @@
           <p:cNvPr id="2" name="标题 1">
             <a:extLst>
               <a:ext uri="{FF2B5EF4-FFF2-40B4-BE49-F238E27FC236}">
-                <a16:creationId xmlns:a16="http://schemas.microsoft.com/office/drawing/2014/main" id="{08466B7C-CB33-B539-749E-743ACAA9011D}"/>
+                <a16:creationId xmlns:a16="http://schemas.microsoft.com/office/drawing/2014/main" id="{B93FE7B5-9774-D41B-D2EB-9729ABB3B1E8}"/>
               </a:ext>
             </a:extLst>
           </p:cNvPr>
@@ -2196,7 +2196,7 @@
           <p:cNvPr id="3" name="内容占位符 2">
             <a:extLst>
               <a:ext uri="{FF2B5EF4-FFF2-40B4-BE49-F238E27FC236}">
-                <a16:creationId xmlns:a16="http://schemas.microsoft.com/office/drawing/2014/main" id="{3EC6B915-C2FF-CB00-E0DB-F93E78A2A66C}"/>
+                <a16:creationId xmlns:a16="http://schemas.microsoft.com/office/drawing/2014/main" id="{03D0B755-97DB-DFD7-9A7E-CF3169302046}"/>
               </a:ext>
             </a:extLst>
           </p:cNvPr>
@@ -2286,7 +2286,7 @@
           <p:cNvPr id="4" name="文本占位符 3">
             <a:extLst>
               <a:ext uri="{FF2B5EF4-FFF2-40B4-BE49-F238E27FC236}">
-                <a16:creationId xmlns:a16="http://schemas.microsoft.com/office/drawing/2014/main" id="{11E9DFEA-B823-521A-C21A-982EE65062C8}"/>
+                <a16:creationId xmlns:a16="http://schemas.microsoft.com/office/drawing/2014/main" id="{D6605E26-1FBB-AF1C-BDB9-C8C92C5FDC39}"/>
               </a:ext>
             </a:extLst>
           </p:cNvPr>
@@ -2357,7 +2357,7 @@
           <p:cNvPr id="5" name="日期占位符 4">
             <a:extLst>
               <a:ext uri="{FF2B5EF4-FFF2-40B4-BE49-F238E27FC236}">
-                <a16:creationId xmlns:a16="http://schemas.microsoft.com/office/drawing/2014/main" id="{FA0A40DE-8E41-09D2-116A-693C1495FE23}"/>
+                <a16:creationId xmlns:a16="http://schemas.microsoft.com/office/drawing/2014/main" id="{CA32A112-79DA-3E38-DB53-E89CC090B4ED}"/>
               </a:ext>
             </a:extLst>
           </p:cNvPr>
@@ -2373,7 +2373,7 @@
           <a:bodyPr/>
           <a:lstStyle/>
           <a:p>
-            <a:fld id="{681EAEBE-6AB8-4120-9B29-DC1213E26FD2}" type="datetimeFigureOut">
+            <a:fld id="{C60C3347-B871-47C7-8155-E6C13CD9A62D}" type="datetimeFigureOut">
               <a:rPr lang="zh-CN" altLang="en-US" smtClean="0"/>
               <a:t>2024/3/10</a:t>
             </a:fld>
@@ -2386,7 +2386,7 @@
           <p:cNvPr id="6" name="页脚占位符 5">
             <a:extLst>
               <a:ext uri="{FF2B5EF4-FFF2-40B4-BE49-F238E27FC236}">
-                <a16:creationId xmlns:a16="http://schemas.microsoft.com/office/drawing/2014/main" id="{AEAFE241-82F8-8F07-DA4E-D01127E56E51}"/>
+                <a16:creationId xmlns:a16="http://schemas.microsoft.com/office/drawing/2014/main" id="{EFA955C1-7D53-6B93-0C73-DC5E172E344B}"/>
               </a:ext>
             </a:extLst>
           </p:cNvPr>
@@ -2411,7 +2411,7 @@
           <p:cNvPr id="7" name="灯片编号占位符 6">
             <a:extLst>
               <a:ext uri="{FF2B5EF4-FFF2-40B4-BE49-F238E27FC236}">
-                <a16:creationId xmlns:a16="http://schemas.microsoft.com/office/drawing/2014/main" id="{2ED56890-7A51-9A36-CDFC-50994BC50ED3}"/>
+                <a16:creationId xmlns:a16="http://schemas.microsoft.com/office/drawing/2014/main" id="{2D47BD34-EE5F-2EB3-663F-3592A1C64C13}"/>
               </a:ext>
             </a:extLst>
           </p:cNvPr>
@@ -2427,7 +2427,7 @@
           <a:bodyPr/>
           <a:lstStyle/>
           <a:p>
-            <a:fld id="{FFD1E696-543E-4AF8-85CB-57C8E05E9220}" type="slidenum">
+            <a:fld id="{4132D7E5-B223-49BD-ABD1-77DF0E61BF91}" type="slidenum">
               <a:rPr lang="zh-CN" altLang="en-US" smtClean="0"/>
               <a:t>‹#›</a:t>
             </a:fld>
@@ -2438,7 +2438,7 @@
     </p:spTree>
     <p:extLst>
       <p:ext uri="{BB962C8B-B14F-4D97-AF65-F5344CB8AC3E}">
-        <p14:creationId xmlns:p14="http://schemas.microsoft.com/office/powerpoint/2010/main" val="2861815755"/>
+        <p14:creationId xmlns:p14="http://schemas.microsoft.com/office/powerpoint/2010/main" val="3163183542"/>
       </p:ext>
     </p:extLst>
   </p:cSld>
@@ -2470,7 +2470,7 @@
           <p:cNvPr id="2" name="标题 1">
             <a:extLst>
               <a:ext uri="{FF2B5EF4-FFF2-40B4-BE49-F238E27FC236}">
-                <a16:creationId xmlns:a16="http://schemas.microsoft.com/office/drawing/2014/main" id="{4BADE872-4D30-508C-79E1-CFF39199ADF3}"/>
+                <a16:creationId xmlns:a16="http://schemas.microsoft.com/office/drawing/2014/main" id="{07FB9179-F964-EF09-1E9C-333BF0B5223C}"/>
               </a:ext>
             </a:extLst>
           </p:cNvPr>
@@ -2507,7 +2507,7 @@
           <p:cNvPr id="3" name="图片占位符 2">
             <a:extLst>
               <a:ext uri="{FF2B5EF4-FFF2-40B4-BE49-F238E27FC236}">
-                <a16:creationId xmlns:a16="http://schemas.microsoft.com/office/drawing/2014/main" id="{A56D04FE-AF03-6A0D-E602-9D800D228B9E}"/>
+                <a16:creationId xmlns:a16="http://schemas.microsoft.com/office/drawing/2014/main" id="{FCB839FC-3091-2FDF-EBB5-F7FB2C2B7DBE}"/>
               </a:ext>
             </a:extLst>
           </p:cNvPr>
@@ -2574,7 +2574,7 @@
           <p:cNvPr id="4" name="文本占位符 3">
             <a:extLst>
               <a:ext uri="{FF2B5EF4-FFF2-40B4-BE49-F238E27FC236}">
-                <a16:creationId xmlns:a16="http://schemas.microsoft.com/office/drawing/2014/main" id="{5209ABCC-01B7-2BB0-4121-AAF8C146AD3D}"/>
+                <a16:creationId xmlns:a16="http://schemas.microsoft.com/office/drawing/2014/main" id="{4255F86F-EAA0-D784-6D50-5750861D49DF}"/>
               </a:ext>
             </a:extLst>
           </p:cNvPr>
@@ -2645,7 +2645,7 @@
           <p:cNvPr id="5" name="日期占位符 4">
             <a:extLst>
               <a:ext uri="{FF2B5EF4-FFF2-40B4-BE49-F238E27FC236}">
-                <a16:creationId xmlns:a16="http://schemas.microsoft.com/office/drawing/2014/main" id="{58DCD838-AA41-F4E1-3EFC-83C3F852B89A}"/>
+                <a16:creationId xmlns:a16="http://schemas.microsoft.com/office/drawing/2014/main" id="{A5F6F6FD-C654-7A42-B8A0-F83BD1841788}"/>
               </a:ext>
             </a:extLst>
           </p:cNvPr>
@@ -2661,7 +2661,7 @@
           <a:bodyPr/>
           <a:lstStyle/>
           <a:p>
-            <a:fld id="{681EAEBE-6AB8-4120-9B29-DC1213E26FD2}" type="datetimeFigureOut">
+            <a:fld id="{C60C3347-B871-47C7-8155-E6C13CD9A62D}" type="datetimeFigureOut">
               <a:rPr lang="zh-CN" altLang="en-US" smtClean="0"/>
               <a:t>2024/3/10</a:t>
             </a:fld>
@@ -2674,7 +2674,7 @@
           <p:cNvPr id="6" name="页脚占位符 5">
             <a:extLst>
               <a:ext uri="{FF2B5EF4-FFF2-40B4-BE49-F238E27FC236}">
-                <a16:creationId xmlns:a16="http://schemas.microsoft.com/office/drawing/2014/main" id="{8A962955-115B-8CC8-EF87-AE5E8B0D2FCE}"/>
+                <a16:creationId xmlns:a16="http://schemas.microsoft.com/office/drawing/2014/main" id="{B0A1C454-1EEF-DE6D-2861-1C8264214021}"/>
               </a:ext>
             </a:extLst>
           </p:cNvPr>
@@ -2699,7 +2699,7 @@
           <p:cNvPr id="7" name="灯片编号占位符 6">
             <a:extLst>
               <a:ext uri="{FF2B5EF4-FFF2-40B4-BE49-F238E27FC236}">
-                <a16:creationId xmlns:a16="http://schemas.microsoft.com/office/drawing/2014/main" id="{32EEE7C5-40ED-54B8-468E-5C03699D93E6}"/>
+                <a16:creationId xmlns:a16="http://schemas.microsoft.com/office/drawing/2014/main" id="{9C855215-9A74-B97A-89FA-2E0CE0FE7C6C}"/>
               </a:ext>
             </a:extLst>
           </p:cNvPr>
@@ -2715,7 +2715,7 @@
           <a:bodyPr/>
           <a:lstStyle/>
           <a:p>
-            <a:fld id="{FFD1E696-543E-4AF8-85CB-57C8E05E9220}" type="slidenum">
+            <a:fld id="{4132D7E5-B223-49BD-ABD1-77DF0E61BF91}" type="slidenum">
               <a:rPr lang="zh-CN" altLang="en-US" smtClean="0"/>
               <a:t>‹#›</a:t>
             </a:fld>
@@ -2726,7 +2726,7 @@
     </p:spTree>
     <p:extLst>
       <p:ext uri="{BB962C8B-B14F-4D97-AF65-F5344CB8AC3E}">
-        <p14:creationId xmlns:p14="http://schemas.microsoft.com/office/powerpoint/2010/main" val="1718490674"/>
+        <p14:creationId xmlns:p14="http://schemas.microsoft.com/office/powerpoint/2010/main" val="383067681"/>
       </p:ext>
     </p:extLst>
   </p:cSld>
@@ -2763,7 +2763,7 @@
           <p:cNvPr id="2" name="标题占位符 1">
             <a:extLst>
               <a:ext uri="{FF2B5EF4-FFF2-40B4-BE49-F238E27FC236}">
-                <a16:creationId xmlns:a16="http://schemas.microsoft.com/office/drawing/2014/main" id="{3ECEFDBE-E640-364A-A2B6-9E87CEE1AAC8}"/>
+                <a16:creationId xmlns:a16="http://schemas.microsoft.com/office/drawing/2014/main" id="{0B8231B7-98A4-D3E1-D2A4-C1F4EF6D9DFB}"/>
               </a:ext>
             </a:extLst>
           </p:cNvPr>
@@ -2801,7 +2801,7 @@
           <p:cNvPr id="3" name="文本占位符 2">
             <a:extLst>
               <a:ext uri="{FF2B5EF4-FFF2-40B4-BE49-F238E27FC236}">
-                <a16:creationId xmlns:a16="http://schemas.microsoft.com/office/drawing/2014/main" id="{25EBD917-3AA6-CBB8-B07A-2B1F3A55F218}"/>
+                <a16:creationId xmlns:a16="http://schemas.microsoft.com/office/drawing/2014/main" id="{AEC15E2F-5853-C3B1-8C41-5B066659334B}"/>
               </a:ext>
             </a:extLst>
           </p:cNvPr>
@@ -2868,7 +2868,7 @@
           <p:cNvPr id="4" name="日期占位符 3">
             <a:extLst>
               <a:ext uri="{FF2B5EF4-FFF2-40B4-BE49-F238E27FC236}">
-                <a16:creationId xmlns:a16="http://schemas.microsoft.com/office/drawing/2014/main" id="{AF9262ED-5BE8-B9F6-01FC-4C408160B8CB}"/>
+                <a16:creationId xmlns:a16="http://schemas.microsoft.com/office/drawing/2014/main" id="{30E80EE3-61A1-442D-D261-BF6587B6F2BA}"/>
               </a:ext>
             </a:extLst>
           </p:cNvPr>
@@ -2902,7 +2902,7 @@
             </a:lvl1pPr>
           </a:lstStyle>
           <a:p>
-            <a:fld id="{681EAEBE-6AB8-4120-9B29-DC1213E26FD2}" type="datetimeFigureOut">
+            <a:fld id="{C60C3347-B871-47C7-8155-E6C13CD9A62D}" type="datetimeFigureOut">
               <a:rPr lang="zh-CN" altLang="en-US" smtClean="0"/>
               <a:t>2024/3/10</a:t>
             </a:fld>
@@ -2915,7 +2915,7 @@
           <p:cNvPr id="5" name="页脚占位符 4">
             <a:extLst>
               <a:ext uri="{FF2B5EF4-FFF2-40B4-BE49-F238E27FC236}">
-                <a16:creationId xmlns:a16="http://schemas.microsoft.com/office/drawing/2014/main" id="{85CB9DB7-C5BF-D771-596D-A7871B15A4F6}"/>
+                <a16:creationId xmlns:a16="http://schemas.microsoft.com/office/drawing/2014/main" id="{3F271B9A-D5A1-8420-F2F6-5CE7C82E4CED}"/>
               </a:ext>
             </a:extLst>
           </p:cNvPr>
@@ -2958,7 +2958,7 @@
           <p:cNvPr id="6" name="灯片编号占位符 5">
             <a:extLst>
               <a:ext uri="{FF2B5EF4-FFF2-40B4-BE49-F238E27FC236}">
-                <a16:creationId xmlns:a16="http://schemas.microsoft.com/office/drawing/2014/main" id="{D2AC03D3-14AC-690F-F1B1-AC3261B485E0}"/>
+                <a16:creationId xmlns:a16="http://schemas.microsoft.com/office/drawing/2014/main" id="{085C74C1-93E1-B887-C460-1E714F0BE0B5}"/>
               </a:ext>
             </a:extLst>
           </p:cNvPr>
@@ -2992,7 +2992,7 @@
             </a:lvl1pPr>
           </a:lstStyle>
           <a:p>
-            <a:fld id="{FFD1E696-543E-4AF8-85CB-57C8E05E9220}" type="slidenum">
+            <a:fld id="{4132D7E5-B223-49BD-ABD1-77DF0E61BF91}" type="slidenum">
               <a:rPr lang="zh-CN" altLang="en-US" smtClean="0"/>
               <a:t>‹#›</a:t>
             </a:fld>
@@ -3003,7 +3003,7 @@
     </p:spTree>
     <p:extLst>
       <p:ext uri="{BB962C8B-B14F-4D97-AF65-F5344CB8AC3E}">
-        <p14:creationId xmlns:p14="http://schemas.microsoft.com/office/powerpoint/2010/main" val="2455537250"/>
+        <p14:creationId xmlns:p14="http://schemas.microsoft.com/office/powerpoint/2010/main" val="1798478229"/>
       </p:ext>
     </p:extLst>
   </p:cSld>
@@ -3323,7 +3323,7 @@
       </p:grpSpPr>
       <p:pic>
         <p:nvPicPr>
-          <p:cNvPr id="659458" name="Picture 2" descr="643"/>
+          <p:cNvPr id="660482" name="Picture 2" descr="644"/>
           <p:cNvPicPr>
             <a:picLocks noChangeAspect="1" noChangeArrowheads="1"/>
           </p:cNvPicPr>
